--- a/assets/files/PrezentareClub/PREZENTARE_CLUB.pptx
+++ b/assets/files/PrezentareClub/PREZENTARE_CLUB.pptx
@@ -175,7 +175,7 @@
           <a:noFill/>
           <a:extLst>
             <a:ext uri="{909E8E84-426E-40dd-AFC4-6F175D3DCCD1}">
-              <a14:hiddenFill xmlns="" xmlns:a14="http://schemas.microsoft.com/office/drawing/2010/main">
+              <a14:hiddenFill xmlns:a14="http://schemas.microsoft.com/office/drawing/2010/main" xmlns="">
                 <a:solidFill>
                   <a:srgbClr val="FFFFFF"/>
                 </a:solidFill>
@@ -234,7 +234,7 @@
             </a:ln>
             <a:extLst>
               <a:ext uri="{91240B29-F687-4f45-9708-019B960494DF}">
-                <a14:hiddenLine xmlns="" xmlns:a14="http://schemas.microsoft.com/office/drawing/2010/main" w="9525">
+                <a14:hiddenLine xmlns:a14="http://schemas.microsoft.com/office/drawing/2010/main" xmlns="" w="9525">
                   <a:solidFill>
                     <a:srgbClr val="000000"/>
                   </a:solidFill>
@@ -324,7 +324,7 @@
             </a:ln>
             <a:extLst>
               <a:ext uri="{91240B29-F687-4f45-9708-019B960494DF}">
-                <a14:hiddenLine xmlns="" xmlns:a14="http://schemas.microsoft.com/office/drawing/2010/main" w="9525">
+                <a14:hiddenLine xmlns:a14="http://schemas.microsoft.com/office/drawing/2010/main" xmlns="" w="9525">
                   <a:solidFill>
                     <a:srgbClr val="000000"/>
                   </a:solidFill>
@@ -414,7 +414,7 @@
             </a:ln>
             <a:extLst>
               <a:ext uri="{91240B29-F687-4f45-9708-019B960494DF}">
-                <a14:hiddenLine xmlns="" xmlns:a14="http://schemas.microsoft.com/office/drawing/2010/main" w="9525">
+                <a14:hiddenLine xmlns:a14="http://schemas.microsoft.com/office/drawing/2010/main" xmlns="" w="9525">
                   <a:solidFill>
                     <a:srgbClr val="000000"/>
                   </a:solidFill>
@@ -448,7 +448,7 @@
             </a:ln>
             <a:extLst>
               <a:ext uri="{91240B29-F687-4f45-9708-019B960494DF}">
-                <a14:hiddenLine xmlns="" xmlns:a14="http://schemas.microsoft.com/office/drawing/2010/main" w="9525">
+                <a14:hiddenLine xmlns:a14="http://schemas.microsoft.com/office/drawing/2010/main" xmlns="" w="9525">
                   <a:solidFill>
                     <a:srgbClr val="000000"/>
                   </a:solidFill>
@@ -538,7 +538,7 @@
             </a:ln>
             <a:extLst>
               <a:ext uri="{91240B29-F687-4f45-9708-019B960494DF}">
-                <a14:hiddenLine xmlns="" xmlns:a14="http://schemas.microsoft.com/office/drawing/2010/main" w="9525">
+                <a14:hiddenLine xmlns:a14="http://schemas.microsoft.com/office/drawing/2010/main" xmlns="" w="9525">
                   <a:solidFill>
                     <a:srgbClr val="000000"/>
                   </a:solidFill>
@@ -600,7 +600,7 @@
             </a:ln>
             <a:extLst>
               <a:ext uri="{91240B29-F687-4f45-9708-019B960494DF}">
-                <a14:hiddenLine xmlns="" xmlns:a14="http://schemas.microsoft.com/office/drawing/2010/main" w="9525">
+                <a14:hiddenLine xmlns:a14="http://schemas.microsoft.com/office/drawing/2010/main" xmlns="" w="9525">
                   <a:solidFill>
                     <a:srgbClr val="000000"/>
                   </a:solidFill>
@@ -662,7 +662,7 @@
             </a:ln>
             <a:extLst>
               <a:ext uri="{91240B29-F687-4f45-9708-019B960494DF}">
-                <a14:hiddenLine xmlns="" xmlns:a14="http://schemas.microsoft.com/office/drawing/2010/main" w="9525">
+                <a14:hiddenLine xmlns:a14="http://schemas.microsoft.com/office/drawing/2010/main" xmlns="" w="9525">
                   <a:solidFill>
                     <a:srgbClr val="000000"/>
                   </a:solidFill>
@@ -752,7 +752,7 @@
             </a:ln>
             <a:extLst>
               <a:ext uri="{91240B29-F687-4f45-9708-019B960494DF}">
-                <a14:hiddenLine xmlns="" xmlns:a14="http://schemas.microsoft.com/office/drawing/2010/main" w="9525">
+                <a14:hiddenLine xmlns:a14="http://schemas.microsoft.com/office/drawing/2010/main" xmlns="" w="9525">
                   <a:solidFill>
                     <a:srgbClr val="000000"/>
                   </a:solidFill>
@@ -814,7 +814,7 @@
             </a:ln>
             <a:extLst>
               <a:ext uri="{91240B29-F687-4f45-9708-019B960494DF}">
-                <a14:hiddenLine xmlns="" xmlns:a14="http://schemas.microsoft.com/office/drawing/2010/main" w="9525">
+                <a14:hiddenLine xmlns:a14="http://schemas.microsoft.com/office/drawing/2010/main" xmlns="" w="9525">
                   <a:solidFill>
                     <a:srgbClr val="000000"/>
                   </a:solidFill>
@@ -876,7 +876,7 @@
             </a:ln>
             <a:extLst>
               <a:ext uri="{91240B29-F687-4f45-9708-019B960494DF}">
-                <a14:hiddenLine xmlns="" xmlns:a14="http://schemas.microsoft.com/office/drawing/2010/main" w="9525">
+                <a14:hiddenLine xmlns:a14="http://schemas.microsoft.com/office/drawing/2010/main" xmlns="" w="9525">
                   <a:solidFill>
                     <a:srgbClr val="000000"/>
                   </a:solidFill>
@@ -966,7 +966,7 @@
             </a:ln>
             <a:extLst>
               <a:ext uri="{91240B29-F687-4f45-9708-019B960494DF}">
-                <a14:hiddenLine xmlns="" xmlns:a14="http://schemas.microsoft.com/office/drawing/2010/main" w="9525">
+                <a14:hiddenLine xmlns:a14="http://schemas.microsoft.com/office/drawing/2010/main" xmlns="" w="9525">
                   <a:solidFill>
                     <a:srgbClr val="000000"/>
                   </a:solidFill>
@@ -1056,7 +1056,7 @@
             </a:ln>
             <a:extLst>
               <a:ext uri="{91240B29-F687-4f45-9708-019B960494DF}">
-                <a14:hiddenLine xmlns="" xmlns:a14="http://schemas.microsoft.com/office/drawing/2010/main" w="9525">
+                <a14:hiddenLine xmlns:a14="http://schemas.microsoft.com/office/drawing/2010/main" xmlns="" w="9525">
                   <a:solidFill>
                     <a:srgbClr val="000000"/>
                   </a:solidFill>
@@ -1118,7 +1118,7 @@
             </a:ln>
             <a:extLst>
               <a:ext uri="{91240B29-F687-4f45-9708-019B960494DF}">
-                <a14:hiddenLine xmlns="" xmlns:a14="http://schemas.microsoft.com/office/drawing/2010/main" w="9525">
+                <a14:hiddenLine xmlns:a14="http://schemas.microsoft.com/office/drawing/2010/main" xmlns="" w="9525">
                   <a:solidFill>
                     <a:srgbClr val="000000"/>
                   </a:solidFill>
@@ -1228,7 +1228,7 @@
             </a:ln>
             <a:extLst>
               <a:ext uri="{91240B29-F687-4f45-9708-019B960494DF}">
-                <a14:hiddenLine xmlns="" xmlns:a14="http://schemas.microsoft.com/office/drawing/2010/main" w="9525">
+                <a14:hiddenLine xmlns:a14="http://schemas.microsoft.com/office/drawing/2010/main" xmlns="" w="9525">
                   <a:solidFill>
                     <a:srgbClr val="000000"/>
                   </a:solidFill>
@@ -1290,7 +1290,7 @@
             </a:ln>
             <a:extLst>
               <a:ext uri="{91240B29-F687-4f45-9708-019B960494DF}">
-                <a14:hiddenLine xmlns="" xmlns:a14="http://schemas.microsoft.com/office/drawing/2010/main" w="9525">
+                <a14:hiddenLine xmlns:a14="http://schemas.microsoft.com/office/drawing/2010/main" xmlns="" w="9525">
                   <a:solidFill>
                     <a:srgbClr val="000000"/>
                   </a:solidFill>
@@ -1380,7 +1380,7 @@
             </a:ln>
             <a:extLst>
               <a:ext uri="{91240B29-F687-4f45-9708-019B960494DF}">
-                <a14:hiddenLine xmlns="" xmlns:a14="http://schemas.microsoft.com/office/drawing/2010/main" w="9525">
+                <a14:hiddenLine xmlns:a14="http://schemas.microsoft.com/office/drawing/2010/main" xmlns="" w="9525">
                   <a:solidFill>
                     <a:srgbClr val="000000"/>
                   </a:solidFill>
@@ -1470,7 +1470,7 @@
             </a:ln>
             <a:extLst>
               <a:ext uri="{91240B29-F687-4f45-9708-019B960494DF}">
-                <a14:hiddenLine xmlns="" xmlns:a14="http://schemas.microsoft.com/office/drawing/2010/main" w="9525">
+                <a14:hiddenLine xmlns:a14="http://schemas.microsoft.com/office/drawing/2010/main" xmlns="" w="9525">
                   <a:solidFill>
                     <a:srgbClr val="000000"/>
                   </a:solidFill>
@@ -1532,7 +1532,7 @@
             </a:ln>
             <a:extLst>
               <a:ext uri="{91240B29-F687-4f45-9708-019B960494DF}">
-                <a14:hiddenLine xmlns="" xmlns:a14="http://schemas.microsoft.com/office/drawing/2010/main" w="9525">
+                <a14:hiddenLine xmlns:a14="http://schemas.microsoft.com/office/drawing/2010/main" xmlns="" w="9525">
                   <a:solidFill>
                     <a:srgbClr val="000000"/>
                   </a:solidFill>
@@ -1622,7 +1622,7 @@
             </a:ln>
             <a:extLst>
               <a:ext uri="{91240B29-F687-4f45-9708-019B960494DF}">
-                <a14:hiddenLine xmlns="" xmlns:a14="http://schemas.microsoft.com/office/drawing/2010/main" w="9525">
+                <a14:hiddenLine xmlns:a14="http://schemas.microsoft.com/office/drawing/2010/main" xmlns="" w="9525">
                   <a:solidFill>
                     <a:srgbClr val="000000"/>
                   </a:solidFill>
@@ -1712,7 +1712,7 @@
             </a:ln>
             <a:extLst>
               <a:ext uri="{91240B29-F687-4f45-9708-019B960494DF}">
-                <a14:hiddenLine xmlns="" xmlns:a14="http://schemas.microsoft.com/office/drawing/2010/main" w="9525">
+                <a14:hiddenLine xmlns:a14="http://schemas.microsoft.com/office/drawing/2010/main" xmlns="" w="9525">
                   <a:solidFill>
                     <a:srgbClr val="000000"/>
                   </a:solidFill>
@@ -1768,7 +1768,7 @@
             </a:ln>
             <a:extLst>
               <a:ext uri="{91240B29-F687-4f45-9708-019B960494DF}">
-                <a14:hiddenLine xmlns="" xmlns:a14="http://schemas.microsoft.com/office/drawing/2010/main" w="9525">
+                <a14:hiddenLine xmlns:a14="http://schemas.microsoft.com/office/drawing/2010/main" xmlns="" w="9525">
                   <a:solidFill>
                     <a:srgbClr val="000000"/>
                   </a:solidFill>
@@ -1858,7 +1858,7 @@
             </a:ln>
             <a:extLst>
               <a:ext uri="{91240B29-F687-4f45-9708-019B960494DF}">
-                <a14:hiddenLine xmlns="" xmlns:a14="http://schemas.microsoft.com/office/drawing/2010/main" w="9525">
+                <a14:hiddenLine xmlns:a14="http://schemas.microsoft.com/office/drawing/2010/main" xmlns="" w="9525">
                   <a:solidFill>
                     <a:srgbClr val="000000"/>
                   </a:solidFill>
@@ -1914,7 +1914,7 @@
             </a:ln>
             <a:extLst>
               <a:ext uri="{91240B29-F687-4f45-9708-019B960494DF}">
-                <a14:hiddenLine xmlns="" xmlns:a14="http://schemas.microsoft.com/office/drawing/2010/main" w="9525">
+                <a14:hiddenLine xmlns:a14="http://schemas.microsoft.com/office/drawing/2010/main" xmlns="" w="9525">
                   <a:solidFill>
                     <a:srgbClr val="000000"/>
                   </a:solidFill>
@@ -2004,7 +2004,7 @@
             </a:ln>
             <a:extLst>
               <a:ext uri="{91240B29-F687-4f45-9708-019B960494DF}">
-                <a14:hiddenLine xmlns="" xmlns:a14="http://schemas.microsoft.com/office/drawing/2010/main" w="9525">
+                <a14:hiddenLine xmlns:a14="http://schemas.microsoft.com/office/drawing/2010/main" xmlns="" w="9525">
                   <a:solidFill>
                     <a:srgbClr val="000000"/>
                   </a:solidFill>
@@ -2072,7 +2072,7 @@
             </a:ln>
             <a:extLst>
               <a:ext uri="{91240B29-F687-4f45-9708-019B960494DF}">
-                <a14:hiddenLine xmlns="" xmlns:a14="http://schemas.microsoft.com/office/drawing/2010/main" w="9525">
+                <a14:hiddenLine xmlns:a14="http://schemas.microsoft.com/office/drawing/2010/main" xmlns="" w="9525">
                   <a:solidFill>
                     <a:srgbClr val="000000"/>
                   </a:solidFill>
@@ -2162,7 +2162,7 @@
             </a:ln>
             <a:extLst>
               <a:ext uri="{91240B29-F687-4f45-9708-019B960494DF}">
-                <a14:hiddenLine xmlns="" xmlns:a14="http://schemas.microsoft.com/office/drawing/2010/main" w="9525">
+                <a14:hiddenLine xmlns:a14="http://schemas.microsoft.com/office/drawing/2010/main" xmlns="" w="9525">
                   <a:solidFill>
                     <a:srgbClr val="000000"/>
                   </a:solidFill>
@@ -2230,7 +2230,7 @@
             </a:ln>
             <a:extLst>
               <a:ext uri="{91240B29-F687-4f45-9708-019B960494DF}">
-                <a14:hiddenLine xmlns="" xmlns:a14="http://schemas.microsoft.com/office/drawing/2010/main" w="9525">
+                <a14:hiddenLine xmlns:a14="http://schemas.microsoft.com/office/drawing/2010/main" xmlns="" w="9525">
                   <a:solidFill>
                     <a:srgbClr val="000000"/>
                   </a:solidFill>
@@ -2320,7 +2320,7 @@
             </a:ln>
             <a:extLst>
               <a:ext uri="{91240B29-F687-4f45-9708-019B960494DF}">
-                <a14:hiddenLine xmlns="" xmlns:a14="http://schemas.microsoft.com/office/drawing/2010/main" w="9525">
+                <a14:hiddenLine xmlns:a14="http://schemas.microsoft.com/office/drawing/2010/main" xmlns="" w="9525">
                   <a:solidFill>
                     <a:srgbClr val="000000"/>
                   </a:solidFill>
@@ -2354,7 +2354,7 @@
             </a:ln>
             <a:extLst>
               <a:ext uri="{91240B29-F687-4f45-9708-019B960494DF}">
-                <a14:hiddenLine xmlns="" xmlns:a14="http://schemas.microsoft.com/office/drawing/2010/main" w="9525">
+                <a14:hiddenLine xmlns:a14="http://schemas.microsoft.com/office/drawing/2010/main" xmlns="" w="9525">
                   <a:solidFill>
                     <a:srgbClr val="000000"/>
                   </a:solidFill>
@@ -2444,7 +2444,7 @@
             </a:ln>
             <a:extLst>
               <a:ext uri="{91240B29-F687-4f45-9708-019B960494DF}">
-                <a14:hiddenLine xmlns="" xmlns:a14="http://schemas.microsoft.com/office/drawing/2010/main" w="9525">
+                <a14:hiddenLine xmlns:a14="http://schemas.microsoft.com/office/drawing/2010/main" xmlns="" w="9525">
                   <a:solidFill>
                     <a:srgbClr val="000000"/>
                   </a:solidFill>
@@ -2506,7 +2506,7 @@
             </a:ln>
             <a:extLst>
               <a:ext uri="{91240B29-F687-4f45-9708-019B960494DF}">
-                <a14:hiddenLine xmlns="" xmlns:a14="http://schemas.microsoft.com/office/drawing/2010/main" w="9525">
+                <a14:hiddenLine xmlns:a14="http://schemas.microsoft.com/office/drawing/2010/main" xmlns="" w="9525">
                   <a:solidFill>
                     <a:srgbClr val="000000"/>
                   </a:solidFill>
@@ -2568,7 +2568,7 @@
             </a:ln>
             <a:extLst>
               <a:ext uri="{91240B29-F687-4f45-9708-019B960494DF}">
-                <a14:hiddenLine xmlns="" xmlns:a14="http://schemas.microsoft.com/office/drawing/2010/main" w="9525">
+                <a14:hiddenLine xmlns:a14="http://schemas.microsoft.com/office/drawing/2010/main" xmlns="" w="9525">
                   <a:solidFill>
                     <a:srgbClr val="000000"/>
                   </a:solidFill>
@@ -2658,7 +2658,7 @@
             </a:ln>
             <a:extLst>
               <a:ext uri="{91240B29-F687-4f45-9708-019B960494DF}">
-                <a14:hiddenLine xmlns="" xmlns:a14="http://schemas.microsoft.com/office/drawing/2010/main" w="9525">
+                <a14:hiddenLine xmlns:a14="http://schemas.microsoft.com/office/drawing/2010/main" xmlns="" w="9525">
                   <a:solidFill>
                     <a:srgbClr val="000000"/>
                   </a:solidFill>
@@ -2726,7 +2726,7 @@
             </a:ln>
             <a:extLst>
               <a:ext uri="{91240B29-F687-4f45-9708-019B960494DF}">
-                <a14:hiddenLine xmlns="" xmlns:a14="http://schemas.microsoft.com/office/drawing/2010/main" w="9525">
+                <a14:hiddenLine xmlns:a14="http://schemas.microsoft.com/office/drawing/2010/main" xmlns="" w="9525">
                   <a:solidFill>
                     <a:srgbClr val="000000"/>
                   </a:solidFill>
@@ -2788,7 +2788,7 @@
             </a:ln>
             <a:extLst>
               <a:ext uri="{91240B29-F687-4f45-9708-019B960494DF}">
-                <a14:hiddenLine xmlns="" xmlns:a14="http://schemas.microsoft.com/office/drawing/2010/main" w="9525">
+                <a14:hiddenLine xmlns:a14="http://schemas.microsoft.com/office/drawing/2010/main" xmlns="" w="9525">
                   <a:solidFill>
                     <a:srgbClr val="000000"/>
                   </a:solidFill>
@@ -2878,7 +2878,7 @@
             </a:ln>
             <a:extLst>
               <a:ext uri="{91240B29-F687-4f45-9708-019B960494DF}">
-                <a14:hiddenLine xmlns="" xmlns:a14="http://schemas.microsoft.com/office/drawing/2010/main" w="9525">
+                <a14:hiddenLine xmlns:a14="http://schemas.microsoft.com/office/drawing/2010/main" xmlns="" w="9525">
                   <a:solidFill>
                     <a:srgbClr val="000000"/>
                   </a:solidFill>
@@ -2940,7 +2940,7 @@
             </a:ln>
             <a:extLst>
               <a:ext uri="{91240B29-F687-4f45-9708-019B960494DF}">
-                <a14:hiddenLine xmlns="" xmlns:a14="http://schemas.microsoft.com/office/drawing/2010/main" w="9525">
+                <a14:hiddenLine xmlns:a14="http://schemas.microsoft.com/office/drawing/2010/main" xmlns="" w="9525">
                   <a:solidFill>
                     <a:srgbClr val="000000"/>
                   </a:solidFill>
@@ -3030,7 +3030,7 @@
             </a:ln>
             <a:extLst>
               <a:ext uri="{91240B29-F687-4f45-9708-019B960494DF}">
-                <a14:hiddenLine xmlns="" xmlns:a14="http://schemas.microsoft.com/office/drawing/2010/main" w="9525">
+                <a14:hiddenLine xmlns:a14="http://schemas.microsoft.com/office/drawing/2010/main" xmlns="" w="9525">
                   <a:solidFill>
                     <a:srgbClr val="000000"/>
                   </a:solidFill>
@@ -3092,7 +3092,7 @@
             </a:ln>
             <a:extLst>
               <a:ext uri="{91240B29-F687-4f45-9708-019B960494DF}">
-                <a14:hiddenLine xmlns="" xmlns:a14="http://schemas.microsoft.com/office/drawing/2010/main" w="9525">
+                <a14:hiddenLine xmlns:a14="http://schemas.microsoft.com/office/drawing/2010/main" xmlns="" w="9525">
                   <a:solidFill>
                     <a:srgbClr val="000000"/>
                   </a:solidFill>
@@ -3182,7 +3182,7 @@
             </a:ln>
             <a:extLst>
               <a:ext uri="{91240B29-F687-4f45-9708-019B960494DF}">
-                <a14:hiddenLine xmlns="" xmlns:a14="http://schemas.microsoft.com/office/drawing/2010/main" w="9525">
+                <a14:hiddenLine xmlns:a14="http://schemas.microsoft.com/office/drawing/2010/main" xmlns="" w="9525">
                   <a:solidFill>
                     <a:srgbClr val="000000"/>
                   </a:solidFill>
@@ -3216,7 +3216,7 @@
             </a:ln>
             <a:extLst>
               <a:ext uri="{91240B29-F687-4f45-9708-019B960494DF}">
-                <a14:hiddenLine xmlns="" xmlns:a14="http://schemas.microsoft.com/office/drawing/2010/main" w="9525">
+                <a14:hiddenLine xmlns:a14="http://schemas.microsoft.com/office/drawing/2010/main" xmlns="" w="9525">
                   <a:solidFill>
                     <a:srgbClr val="000000"/>
                   </a:solidFill>
@@ -3281,7 +3281,7 @@
             </a:ln>
             <a:extLst>
               <a:ext uri="{91240B29-F687-4f45-9708-019B960494DF}">
-                <a14:hiddenLine xmlns="" xmlns:a14="http://schemas.microsoft.com/office/drawing/2010/main" w="9525">
+                <a14:hiddenLine xmlns:a14="http://schemas.microsoft.com/office/drawing/2010/main" xmlns="" w="9525">
                   <a:solidFill>
                     <a:srgbClr val="000000"/>
                   </a:solidFill>
@@ -3371,7 +3371,7 @@
             </a:ln>
             <a:extLst>
               <a:ext uri="{91240B29-F687-4f45-9708-019B960494DF}">
-                <a14:hiddenLine xmlns="" xmlns:a14="http://schemas.microsoft.com/office/drawing/2010/main" w="9525">
+                <a14:hiddenLine xmlns:a14="http://schemas.microsoft.com/office/drawing/2010/main" xmlns="" w="9525">
                   <a:solidFill>
                     <a:srgbClr val="000000"/>
                   </a:solidFill>
@@ -3433,7 +3433,7 @@
             </a:ln>
             <a:extLst>
               <a:ext uri="{91240B29-F687-4f45-9708-019B960494DF}">
-                <a14:hiddenLine xmlns="" xmlns:a14="http://schemas.microsoft.com/office/drawing/2010/main" w="9525">
+                <a14:hiddenLine xmlns:a14="http://schemas.microsoft.com/office/drawing/2010/main" xmlns="" w="9525">
                   <a:solidFill>
                     <a:srgbClr val="000000"/>
                   </a:solidFill>
@@ -3523,7 +3523,7 @@
             </a:ln>
             <a:extLst>
               <a:ext uri="{91240B29-F687-4f45-9708-019B960494DF}">
-                <a14:hiddenLine xmlns="" xmlns:a14="http://schemas.microsoft.com/office/drawing/2010/main" w="9525">
+                <a14:hiddenLine xmlns:a14="http://schemas.microsoft.com/office/drawing/2010/main" xmlns="" w="9525">
                   <a:solidFill>
                     <a:srgbClr val="000000"/>
                   </a:solidFill>
@@ -3613,7 +3613,7 @@
             </a:ln>
             <a:extLst>
               <a:ext uri="{91240B29-F687-4f45-9708-019B960494DF}">
-                <a14:hiddenLine xmlns="" xmlns:a14="http://schemas.microsoft.com/office/drawing/2010/main" w="9525">
+                <a14:hiddenLine xmlns:a14="http://schemas.microsoft.com/office/drawing/2010/main" xmlns="" w="9525">
                   <a:solidFill>
                     <a:srgbClr val="000000"/>
                   </a:solidFill>
@@ -3678,7 +3678,7 @@
             </a:ln>
             <a:extLst>
               <a:ext uri="{91240B29-F687-4f45-9708-019B960494DF}">
-                <a14:hiddenLine xmlns="" xmlns:a14="http://schemas.microsoft.com/office/drawing/2010/main" w="9525">
+                <a14:hiddenLine xmlns:a14="http://schemas.microsoft.com/office/drawing/2010/main" xmlns="" w="9525">
                   <a:solidFill>
                     <a:srgbClr val="000000"/>
                   </a:solidFill>
@@ -3740,7 +3740,7 @@
             </a:ln>
             <a:extLst>
               <a:ext uri="{91240B29-F687-4f45-9708-019B960494DF}">
-                <a14:hiddenLine xmlns="" xmlns:a14="http://schemas.microsoft.com/office/drawing/2010/main" w="9525">
+                <a14:hiddenLine xmlns:a14="http://schemas.microsoft.com/office/drawing/2010/main" xmlns="" w="9525">
                   <a:solidFill>
                     <a:srgbClr val="000000"/>
                   </a:solidFill>
@@ -3830,7 +3830,7 @@
             </a:ln>
             <a:extLst>
               <a:ext uri="{91240B29-F687-4f45-9708-019B960494DF}">
-                <a14:hiddenLine xmlns="" xmlns:a14="http://schemas.microsoft.com/office/drawing/2010/main" w="9525">
+                <a14:hiddenLine xmlns:a14="http://schemas.microsoft.com/office/drawing/2010/main" xmlns="" w="9525">
                   <a:solidFill>
                     <a:srgbClr val="000000"/>
                   </a:solidFill>
@@ -3920,7 +3920,7 @@
             </a:ln>
             <a:extLst>
               <a:ext uri="{91240B29-F687-4f45-9708-019B960494DF}">
-                <a14:hiddenLine xmlns="" xmlns:a14="http://schemas.microsoft.com/office/drawing/2010/main" w="9525">
+                <a14:hiddenLine xmlns:a14="http://schemas.microsoft.com/office/drawing/2010/main" xmlns="" w="9525">
                   <a:solidFill>
                     <a:srgbClr val="000000"/>
                   </a:solidFill>
@@ -3982,7 +3982,7 @@
             </a:ln>
             <a:extLst>
               <a:ext uri="{91240B29-F687-4f45-9708-019B960494DF}">
-                <a14:hiddenLine xmlns="" xmlns:a14="http://schemas.microsoft.com/office/drawing/2010/main" w="9525">
+                <a14:hiddenLine xmlns:a14="http://schemas.microsoft.com/office/drawing/2010/main" xmlns="" w="9525">
                   <a:solidFill>
                     <a:srgbClr val="000000"/>
                   </a:solidFill>
@@ -4102,7 +4102,7 @@
             </a:ln>
             <a:extLst>
               <a:ext uri="{91240B29-F687-4f45-9708-019B960494DF}">
-                <a14:hiddenLine xmlns="" xmlns:a14="http://schemas.microsoft.com/office/drawing/2010/main" w="9525">
+                <a14:hiddenLine xmlns:a14="http://schemas.microsoft.com/office/drawing/2010/main" xmlns="" w="9525">
                   <a:solidFill>
                     <a:srgbClr val="000000"/>
                   </a:solidFill>
@@ -4170,7 +4170,7 @@
             </a:ln>
             <a:extLst>
               <a:ext uri="{91240B29-F687-4f45-9708-019B960494DF}">
-                <a14:hiddenLine xmlns="" xmlns:a14="http://schemas.microsoft.com/office/drawing/2010/main" w="9525">
+                <a14:hiddenLine xmlns:a14="http://schemas.microsoft.com/office/drawing/2010/main" xmlns="" w="9525">
                   <a:solidFill>
                     <a:srgbClr val="000000"/>
                   </a:solidFill>
@@ -4260,7 +4260,7 @@
             </a:ln>
             <a:extLst>
               <a:ext uri="{91240B29-F687-4f45-9708-019B960494DF}">
-                <a14:hiddenLine xmlns="" xmlns:a14="http://schemas.microsoft.com/office/drawing/2010/main" w="9525">
+                <a14:hiddenLine xmlns:a14="http://schemas.microsoft.com/office/drawing/2010/main" xmlns="" w="9525">
                   <a:solidFill>
                     <a:srgbClr val="000000"/>
                   </a:solidFill>
@@ -4400,7 +4400,7 @@
           <a:p>
             <a:fld id="{522064ED-1894-4767-8CE5-014142FD3917}" type="datetimeFigureOut">
               <a:rPr lang="en-US" smtClean="0"/>
-              <a:t>2/14/2018</a:t>
+              <a:t>9/4/2018</a:t>
             </a:fld>
             <a:endParaRPr lang="en-US"/>
           </a:p>
@@ -4667,7 +4667,7 @@
           <a:p>
             <a:fld id="{522064ED-1894-4767-8CE5-014142FD3917}" type="datetimeFigureOut">
               <a:rPr lang="en-US" smtClean="0"/>
-              <a:t>2/14/2018</a:t>
+              <a:t>9/4/2018</a:t>
             </a:fld>
             <a:endParaRPr lang="en-US"/>
           </a:p>
@@ -4863,7 +4863,7 @@
           <a:p>
             <a:fld id="{522064ED-1894-4767-8CE5-014142FD3917}" type="datetimeFigureOut">
               <a:rPr lang="en-US" smtClean="0"/>
-              <a:t>2/14/2018</a:t>
+              <a:t>9/4/2018</a:t>
             </a:fld>
             <a:endParaRPr lang="en-US"/>
           </a:p>
@@ -5126,7 +5126,7 @@
           <a:p>
             <a:fld id="{522064ED-1894-4767-8CE5-014142FD3917}" type="datetimeFigureOut">
               <a:rPr lang="en-US" smtClean="0"/>
-              <a:t>2/14/2018</a:t>
+              <a:t>9/4/2018</a:t>
             </a:fld>
             <a:endParaRPr lang="en-US"/>
           </a:p>
@@ -5560,7 +5560,7 @@
           <a:p>
             <a:fld id="{522064ED-1894-4767-8CE5-014142FD3917}" type="datetimeFigureOut">
               <a:rPr lang="en-US" smtClean="0"/>
-              <a:t>2/14/2018</a:t>
+              <a:t>9/4/2018</a:t>
             </a:fld>
             <a:endParaRPr lang="en-US"/>
           </a:p>
@@ -6106,7 +6106,7 @@
           <a:p>
             <a:fld id="{522064ED-1894-4767-8CE5-014142FD3917}" type="datetimeFigureOut">
               <a:rPr lang="en-US" smtClean="0"/>
-              <a:t>2/14/2018</a:t>
+              <a:t>9/4/2018</a:t>
             </a:fld>
             <a:endParaRPr lang="en-US"/>
           </a:p>
@@ -6826,7 +6826,7 @@
           <a:p>
             <a:fld id="{522064ED-1894-4767-8CE5-014142FD3917}" type="datetimeFigureOut">
               <a:rPr lang="en-US" smtClean="0"/>
-              <a:t>2/14/2018</a:t>
+              <a:t>9/4/2018</a:t>
             </a:fld>
             <a:endParaRPr lang="en-US"/>
           </a:p>
@@ -6996,7 +6996,7 @@
           <a:p>
             <a:fld id="{522064ED-1894-4767-8CE5-014142FD3917}" type="datetimeFigureOut">
               <a:rPr lang="en-US" smtClean="0"/>
-              <a:t>2/14/2018</a:t>
+              <a:t>9/4/2018</a:t>
             </a:fld>
             <a:endParaRPr lang="en-US"/>
           </a:p>
@@ -7176,7 +7176,7 @@
           <a:p>
             <a:fld id="{522064ED-1894-4767-8CE5-014142FD3917}" type="datetimeFigureOut">
               <a:rPr lang="en-US" smtClean="0"/>
-              <a:t>2/14/2018</a:t>
+              <a:t>9/4/2018</a:t>
             </a:fld>
             <a:endParaRPr lang="en-US"/>
           </a:p>
@@ -7346,7 +7346,7 @@
           <a:p>
             <a:fld id="{522064ED-1894-4767-8CE5-014142FD3917}" type="datetimeFigureOut">
               <a:rPr lang="en-US" smtClean="0"/>
-              <a:t>2/14/2018</a:t>
+              <a:t>9/4/2018</a:t>
             </a:fld>
             <a:endParaRPr lang="en-US"/>
           </a:p>
@@ -7596,7 +7596,7 @@
           <a:p>
             <a:fld id="{522064ED-1894-4767-8CE5-014142FD3917}" type="datetimeFigureOut">
               <a:rPr lang="en-US" smtClean="0"/>
-              <a:t>2/14/2018</a:t>
+              <a:t>9/4/2018</a:t>
             </a:fld>
             <a:endParaRPr lang="en-US"/>
           </a:p>
@@ -7828,7 +7828,7 @@
           <a:p>
             <a:fld id="{522064ED-1894-4767-8CE5-014142FD3917}" type="datetimeFigureOut">
               <a:rPr lang="en-US" smtClean="0"/>
-              <a:t>2/14/2018</a:t>
+              <a:t>9/4/2018</a:t>
             </a:fld>
             <a:endParaRPr lang="en-US"/>
           </a:p>
@@ -8209,7 +8209,7 @@
           <a:p>
             <a:fld id="{522064ED-1894-4767-8CE5-014142FD3917}" type="datetimeFigureOut">
               <a:rPr lang="en-US" smtClean="0"/>
-              <a:t>2/14/2018</a:t>
+              <a:t>9/4/2018</a:t>
             </a:fld>
             <a:endParaRPr lang="en-US"/>
           </a:p>
@@ -8327,7 +8327,7 @@
           <a:p>
             <a:fld id="{522064ED-1894-4767-8CE5-014142FD3917}" type="datetimeFigureOut">
               <a:rPr lang="en-US" smtClean="0"/>
-              <a:t>2/14/2018</a:t>
+              <a:t>9/4/2018</a:t>
             </a:fld>
             <a:endParaRPr lang="en-US"/>
           </a:p>
@@ -8422,7 +8422,7 @@
           <a:p>
             <a:fld id="{522064ED-1894-4767-8CE5-014142FD3917}" type="datetimeFigureOut">
               <a:rPr lang="en-US" smtClean="0"/>
-              <a:t>2/14/2018</a:t>
+              <a:t>9/4/2018</a:t>
             </a:fld>
             <a:endParaRPr lang="en-US"/>
           </a:p>
@@ -8671,7 +8671,7 @@
           <a:p>
             <a:fld id="{522064ED-1894-4767-8CE5-014142FD3917}" type="datetimeFigureOut">
               <a:rPr lang="en-US" smtClean="0"/>
-              <a:t>2/14/2018</a:t>
+              <a:t>9/4/2018</a:t>
             </a:fld>
             <a:endParaRPr lang="en-US"/>
           </a:p>
@@ -8951,7 +8951,7 @@
           <a:p>
             <a:fld id="{522064ED-1894-4767-8CE5-014142FD3917}" type="datetimeFigureOut">
               <a:rPr lang="en-US" smtClean="0"/>
-              <a:t>2/14/2018</a:t>
+              <a:t>9/4/2018</a:t>
             </a:fld>
             <a:endParaRPr lang="en-US"/>
           </a:p>
@@ -9074,7 +9074,7 @@
           <a:noFill/>
           <a:extLst>
             <a:ext uri="{909E8E84-426E-40dd-AFC4-6F175D3DCCD1}">
-              <a14:hiddenFill xmlns="" xmlns:a14="http://schemas.microsoft.com/office/drawing/2010/main">
+              <a14:hiddenFill xmlns:a14="http://schemas.microsoft.com/office/drawing/2010/main" xmlns="">
                 <a:solidFill>
                   <a:srgbClr val="FFFFFF"/>
                 </a:solidFill>
@@ -9148,7 +9148,7 @@
               </a:ln>
               <a:extLst>
                 <a:ext uri="{91240B29-F687-4f45-9708-019B960494DF}">
-                  <a14:hiddenLine xmlns="" xmlns:a14="http://schemas.microsoft.com/office/drawing/2010/main" w="9525">
+                  <a14:hiddenLine xmlns:a14="http://schemas.microsoft.com/office/drawing/2010/main" xmlns="" w="9525">
                     <a:solidFill>
                       <a:srgbClr val="000000"/>
                     </a:solidFill>
@@ -9238,7 +9238,7 @@
               </a:ln>
               <a:extLst>
                 <a:ext uri="{91240B29-F687-4f45-9708-019B960494DF}">
-                  <a14:hiddenLine xmlns="" xmlns:a14="http://schemas.microsoft.com/office/drawing/2010/main" w="9525">
+                  <a14:hiddenLine xmlns:a14="http://schemas.microsoft.com/office/drawing/2010/main" xmlns="" w="9525">
                     <a:solidFill>
                       <a:srgbClr val="000000"/>
                     </a:solidFill>
@@ -9328,7 +9328,7 @@
               </a:ln>
               <a:extLst>
                 <a:ext uri="{91240B29-F687-4f45-9708-019B960494DF}">
-                  <a14:hiddenLine xmlns="" xmlns:a14="http://schemas.microsoft.com/office/drawing/2010/main" w="9525">
+                  <a14:hiddenLine xmlns:a14="http://schemas.microsoft.com/office/drawing/2010/main" xmlns="" w="9525">
                     <a:solidFill>
                       <a:srgbClr val="000000"/>
                     </a:solidFill>
@@ -9390,7 +9390,7 @@
               </a:ln>
               <a:extLst>
                 <a:ext uri="{91240B29-F687-4f45-9708-019B960494DF}">
-                  <a14:hiddenLine xmlns="" xmlns:a14="http://schemas.microsoft.com/office/drawing/2010/main" w="9525">
+                  <a14:hiddenLine xmlns:a14="http://schemas.microsoft.com/office/drawing/2010/main" xmlns="" w="9525">
                     <a:solidFill>
                       <a:srgbClr val="000000"/>
                     </a:solidFill>
@@ -9480,7 +9480,7 @@
               </a:ln>
               <a:extLst>
                 <a:ext uri="{91240B29-F687-4f45-9708-019B960494DF}">
-                  <a14:hiddenLine xmlns="" xmlns:a14="http://schemas.microsoft.com/office/drawing/2010/main" w="9525">
+                  <a14:hiddenLine xmlns:a14="http://schemas.microsoft.com/office/drawing/2010/main" xmlns="" w="9525">
                     <a:solidFill>
                       <a:srgbClr val="000000"/>
                     </a:solidFill>
@@ -9542,7 +9542,7 @@
               </a:ln>
               <a:extLst>
                 <a:ext uri="{91240B29-F687-4f45-9708-019B960494DF}">
-                  <a14:hiddenLine xmlns="" xmlns:a14="http://schemas.microsoft.com/office/drawing/2010/main" w="9525">
+                  <a14:hiddenLine xmlns:a14="http://schemas.microsoft.com/office/drawing/2010/main" xmlns="" w="9525">
                     <a:solidFill>
                       <a:srgbClr val="000000"/>
                     </a:solidFill>
@@ -9604,7 +9604,7 @@
               </a:ln>
               <a:extLst>
                 <a:ext uri="{91240B29-F687-4f45-9708-019B960494DF}">
-                  <a14:hiddenLine xmlns="" xmlns:a14="http://schemas.microsoft.com/office/drawing/2010/main" w="9525">
+                  <a14:hiddenLine xmlns:a14="http://schemas.microsoft.com/office/drawing/2010/main" xmlns="" w="9525">
                     <a:solidFill>
                       <a:srgbClr val="000000"/>
                     </a:solidFill>
@@ -9694,7 +9694,7 @@
               </a:ln>
               <a:extLst>
                 <a:ext uri="{91240B29-F687-4f45-9708-019B960494DF}">
-                  <a14:hiddenLine xmlns="" xmlns:a14="http://schemas.microsoft.com/office/drawing/2010/main" w="9525">
+                  <a14:hiddenLine xmlns:a14="http://schemas.microsoft.com/office/drawing/2010/main" xmlns="" w="9525">
                     <a:solidFill>
                       <a:srgbClr val="000000"/>
                     </a:solidFill>
@@ -9784,7 +9784,7 @@
               </a:ln>
               <a:extLst>
                 <a:ext uri="{91240B29-F687-4f45-9708-019B960494DF}">
-                  <a14:hiddenLine xmlns="" xmlns:a14="http://schemas.microsoft.com/office/drawing/2010/main" w="9525">
+                  <a14:hiddenLine xmlns:a14="http://schemas.microsoft.com/office/drawing/2010/main" xmlns="" w="9525">
                     <a:solidFill>
                       <a:srgbClr val="000000"/>
                     </a:solidFill>
@@ -9846,7 +9846,7 @@
               </a:ln>
               <a:extLst>
                 <a:ext uri="{91240B29-F687-4f45-9708-019B960494DF}">
-                  <a14:hiddenLine xmlns="" xmlns:a14="http://schemas.microsoft.com/office/drawing/2010/main" w="9525">
+                  <a14:hiddenLine xmlns:a14="http://schemas.microsoft.com/office/drawing/2010/main" xmlns="" w="9525">
                     <a:solidFill>
                       <a:srgbClr val="000000"/>
                     </a:solidFill>
@@ -9956,7 +9956,7 @@
               </a:ln>
               <a:extLst>
                 <a:ext uri="{91240B29-F687-4f45-9708-019B960494DF}">
-                  <a14:hiddenLine xmlns="" xmlns:a14="http://schemas.microsoft.com/office/drawing/2010/main" w="9525">
+                  <a14:hiddenLine xmlns:a14="http://schemas.microsoft.com/office/drawing/2010/main" xmlns="" w="9525">
                     <a:solidFill>
                       <a:srgbClr val="000000"/>
                     </a:solidFill>
@@ -10040,7 +10040,7 @@
               </a:ln>
               <a:extLst>
                 <a:ext uri="{91240B29-F687-4f45-9708-019B960494DF}">
-                  <a14:hiddenLine xmlns="" xmlns:a14="http://schemas.microsoft.com/office/drawing/2010/main" w="9525">
+                  <a14:hiddenLine xmlns:a14="http://schemas.microsoft.com/office/drawing/2010/main" xmlns="" w="9525">
                     <a:solidFill>
                       <a:srgbClr val="000000"/>
                     </a:solidFill>
@@ -10102,7 +10102,7 @@
               </a:ln>
               <a:extLst>
                 <a:ext uri="{91240B29-F687-4f45-9708-019B960494DF}">
-                  <a14:hiddenLine xmlns="" xmlns:a14="http://schemas.microsoft.com/office/drawing/2010/main" w="9525">
+                  <a14:hiddenLine xmlns:a14="http://schemas.microsoft.com/office/drawing/2010/main" xmlns="" w="9525">
                     <a:solidFill>
                       <a:srgbClr val="000000"/>
                     </a:solidFill>
@@ -10164,7 +10164,7 @@
               </a:ln>
               <a:extLst>
                 <a:ext uri="{91240B29-F687-4f45-9708-019B960494DF}">
-                  <a14:hiddenLine xmlns="" xmlns:a14="http://schemas.microsoft.com/office/drawing/2010/main" w="9525">
+                  <a14:hiddenLine xmlns:a14="http://schemas.microsoft.com/office/drawing/2010/main" xmlns="" w="9525">
                     <a:solidFill>
                       <a:srgbClr val="000000"/>
                     </a:solidFill>
@@ -10254,7 +10254,7 @@
               </a:ln>
               <a:extLst>
                 <a:ext uri="{91240B29-F687-4f45-9708-019B960494DF}">
-                  <a14:hiddenLine xmlns="" xmlns:a14="http://schemas.microsoft.com/office/drawing/2010/main" w="9525">
+                  <a14:hiddenLine xmlns:a14="http://schemas.microsoft.com/office/drawing/2010/main" xmlns="" w="9525">
                     <a:solidFill>
                       <a:srgbClr val="000000"/>
                     </a:solidFill>
@@ -10288,7 +10288,7 @@
               </a:ln>
               <a:extLst>
                 <a:ext uri="{91240B29-F687-4f45-9708-019B960494DF}">
-                  <a14:hiddenLine xmlns="" xmlns:a14="http://schemas.microsoft.com/office/drawing/2010/main" w="9525">
+                  <a14:hiddenLine xmlns:a14="http://schemas.microsoft.com/office/drawing/2010/main" xmlns="" w="9525">
                     <a:solidFill>
                       <a:srgbClr val="000000"/>
                     </a:solidFill>
@@ -10353,7 +10353,7 @@
               </a:ln>
               <a:extLst>
                 <a:ext uri="{91240B29-F687-4f45-9708-019B960494DF}">
-                  <a14:hiddenLine xmlns="" xmlns:a14="http://schemas.microsoft.com/office/drawing/2010/main" w="9525">
+                  <a14:hiddenLine xmlns:a14="http://schemas.microsoft.com/office/drawing/2010/main" xmlns="" w="9525">
                     <a:solidFill>
                       <a:srgbClr val="000000"/>
                     </a:solidFill>
@@ -10443,7 +10443,7 @@
               </a:ln>
               <a:extLst>
                 <a:ext uri="{91240B29-F687-4f45-9708-019B960494DF}">
-                  <a14:hiddenLine xmlns="" xmlns:a14="http://schemas.microsoft.com/office/drawing/2010/main" w="9525">
+                  <a14:hiddenLine xmlns:a14="http://schemas.microsoft.com/office/drawing/2010/main" xmlns="" w="9525">
                     <a:solidFill>
                       <a:srgbClr val="000000"/>
                     </a:solidFill>
@@ -10505,7 +10505,7 @@
               </a:ln>
               <a:extLst>
                 <a:ext uri="{91240B29-F687-4f45-9708-019B960494DF}">
-                  <a14:hiddenLine xmlns="" xmlns:a14="http://schemas.microsoft.com/office/drawing/2010/main" w="9525">
+                  <a14:hiddenLine xmlns:a14="http://schemas.microsoft.com/office/drawing/2010/main" xmlns="" w="9525">
                     <a:solidFill>
                       <a:srgbClr val="000000"/>
                     </a:solidFill>
@@ -10595,7 +10595,7 @@
               </a:ln>
               <a:extLst>
                 <a:ext uri="{91240B29-F687-4f45-9708-019B960494DF}">
-                  <a14:hiddenLine xmlns="" xmlns:a14="http://schemas.microsoft.com/office/drawing/2010/main" w="9525">
+                  <a14:hiddenLine xmlns:a14="http://schemas.microsoft.com/office/drawing/2010/main" xmlns="" w="9525">
                     <a:solidFill>
                       <a:srgbClr val="000000"/>
                     </a:solidFill>
@@ -10660,7 +10660,7 @@
               </a:ln>
               <a:extLst>
                 <a:ext uri="{91240B29-F687-4f45-9708-019B960494DF}">
-                  <a14:hiddenLine xmlns="" xmlns:a14="http://schemas.microsoft.com/office/drawing/2010/main" w="9525">
+                  <a14:hiddenLine xmlns:a14="http://schemas.microsoft.com/office/drawing/2010/main" xmlns="" w="9525">
                     <a:solidFill>
                       <a:srgbClr val="000000"/>
                     </a:solidFill>
@@ -10722,7 +10722,7 @@
               </a:ln>
               <a:extLst>
                 <a:ext uri="{91240B29-F687-4f45-9708-019B960494DF}">
-                  <a14:hiddenLine xmlns="" xmlns:a14="http://schemas.microsoft.com/office/drawing/2010/main" w="9525">
+                  <a14:hiddenLine xmlns:a14="http://schemas.microsoft.com/office/drawing/2010/main" xmlns="" w="9525">
                     <a:solidFill>
                       <a:srgbClr val="000000"/>
                     </a:solidFill>
@@ -10812,7 +10812,7 @@
               </a:ln>
               <a:extLst>
                 <a:ext uri="{91240B29-F687-4f45-9708-019B960494DF}">
-                  <a14:hiddenLine xmlns="" xmlns:a14="http://schemas.microsoft.com/office/drawing/2010/main" w="9525">
+                  <a14:hiddenLine xmlns:a14="http://schemas.microsoft.com/office/drawing/2010/main" xmlns="" w="9525">
                     <a:solidFill>
                       <a:srgbClr val="000000"/>
                     </a:solidFill>
@@ -10902,7 +10902,7 @@
               </a:ln>
               <a:extLst>
                 <a:ext uri="{91240B29-F687-4f45-9708-019B960494DF}">
-                  <a14:hiddenLine xmlns="" xmlns:a14="http://schemas.microsoft.com/office/drawing/2010/main" w="9525">
+                  <a14:hiddenLine xmlns:a14="http://schemas.microsoft.com/office/drawing/2010/main" xmlns="" w="9525">
                     <a:solidFill>
                       <a:srgbClr val="000000"/>
                     </a:solidFill>
@@ -10967,7 +10967,7 @@
               </a:ln>
               <a:extLst>
                 <a:ext uri="{91240B29-F687-4f45-9708-019B960494DF}">
-                  <a14:hiddenLine xmlns="" xmlns:a14="http://schemas.microsoft.com/office/drawing/2010/main" w="9525">
+                  <a14:hiddenLine xmlns:a14="http://schemas.microsoft.com/office/drawing/2010/main" xmlns="" w="9525">
                     <a:solidFill>
                       <a:srgbClr val="000000"/>
                     </a:solidFill>
@@ -11087,7 +11087,7 @@
               </a:ln>
               <a:extLst>
                 <a:ext uri="{91240B29-F687-4f45-9708-019B960494DF}">
-                  <a14:hiddenLine xmlns="" xmlns:a14="http://schemas.microsoft.com/office/drawing/2010/main" w="9525">
+                  <a14:hiddenLine xmlns:a14="http://schemas.microsoft.com/office/drawing/2010/main" xmlns="" w="9525">
                     <a:solidFill>
                       <a:srgbClr val="000000"/>
                     </a:solidFill>
@@ -11168,7 +11168,7 @@
               </a:ln>
               <a:extLst>
                 <a:ext uri="{91240B29-F687-4f45-9708-019B960494DF}">
-                  <a14:hiddenLine xmlns="" xmlns:a14="http://schemas.microsoft.com/office/drawing/2010/main" w="9525">
+                  <a14:hiddenLine xmlns:a14="http://schemas.microsoft.com/office/drawing/2010/main" xmlns="" w="9525">
                     <a:solidFill>
                       <a:srgbClr val="000000"/>
                     </a:solidFill>
@@ -11283,7 +11283,7 @@
               </a:ln>
               <a:extLst>
                 <a:ext uri="{91240B29-F687-4f45-9708-019B960494DF}">
-                  <a14:hiddenLine xmlns="" xmlns:a14="http://schemas.microsoft.com/office/drawing/2010/main" w="9525">
+                  <a14:hiddenLine xmlns:a14="http://schemas.microsoft.com/office/drawing/2010/main" xmlns="" w="9525">
                     <a:solidFill>
                       <a:srgbClr val="000000"/>
                     </a:solidFill>
@@ -11373,7 +11373,7 @@
               </a:ln>
               <a:extLst>
                 <a:ext uri="{91240B29-F687-4f45-9708-019B960494DF}">
-                  <a14:hiddenLine xmlns="" xmlns:a14="http://schemas.microsoft.com/office/drawing/2010/main" w="9525">
+                  <a14:hiddenLine xmlns:a14="http://schemas.microsoft.com/office/drawing/2010/main" xmlns="" w="9525">
                     <a:solidFill>
                       <a:srgbClr val="000000"/>
                     </a:solidFill>
@@ -11438,7 +11438,7 @@
               </a:ln>
               <a:extLst>
                 <a:ext uri="{91240B29-F687-4f45-9708-019B960494DF}">
-                  <a14:hiddenLine xmlns="" xmlns:a14="http://schemas.microsoft.com/office/drawing/2010/main" w="9525">
+                  <a14:hiddenLine xmlns:a14="http://schemas.microsoft.com/office/drawing/2010/main" xmlns="" w="9525">
                     <a:solidFill>
                       <a:srgbClr val="000000"/>
                     </a:solidFill>
@@ -11528,7 +11528,7 @@
               </a:ln>
               <a:extLst>
                 <a:ext uri="{91240B29-F687-4f45-9708-019B960494DF}">
-                  <a14:hiddenLine xmlns="" xmlns:a14="http://schemas.microsoft.com/office/drawing/2010/main" w="9525">
+                  <a14:hiddenLine xmlns:a14="http://schemas.microsoft.com/office/drawing/2010/main" xmlns="" w="9525">
                     <a:solidFill>
                       <a:srgbClr val="000000"/>
                     </a:solidFill>
@@ -11596,7 +11596,7 @@
               </a:ln>
               <a:extLst>
                 <a:ext uri="{91240B29-F687-4f45-9708-019B960494DF}">
-                  <a14:hiddenLine xmlns="" xmlns:a14="http://schemas.microsoft.com/office/drawing/2010/main" w="9525">
+                  <a14:hiddenLine xmlns:a14="http://schemas.microsoft.com/office/drawing/2010/main" xmlns="" w="9525">
                     <a:solidFill>
                       <a:srgbClr val="000000"/>
                     </a:solidFill>
@@ -11686,7 +11686,7 @@
               </a:ln>
               <a:extLst>
                 <a:ext uri="{91240B29-F687-4f45-9708-019B960494DF}">
-                  <a14:hiddenLine xmlns="" xmlns:a14="http://schemas.microsoft.com/office/drawing/2010/main" w="9525">
+                  <a14:hiddenLine xmlns:a14="http://schemas.microsoft.com/office/drawing/2010/main" xmlns="" w="9525">
                     <a:solidFill>
                       <a:srgbClr val="000000"/>
                     </a:solidFill>
@@ -11754,7 +11754,7 @@
               </a:ln>
               <a:extLst>
                 <a:ext uri="{91240B29-F687-4f45-9708-019B960494DF}">
-                  <a14:hiddenLine xmlns="" xmlns:a14="http://schemas.microsoft.com/office/drawing/2010/main" w="9525">
+                  <a14:hiddenLine xmlns:a14="http://schemas.microsoft.com/office/drawing/2010/main" xmlns="" w="9525">
                     <a:solidFill>
                       <a:srgbClr val="000000"/>
                     </a:solidFill>
@@ -11844,7 +11844,7 @@
               </a:ln>
               <a:extLst>
                 <a:ext uri="{91240B29-F687-4f45-9708-019B960494DF}">
-                  <a14:hiddenLine xmlns="" xmlns:a14="http://schemas.microsoft.com/office/drawing/2010/main" w="9525">
+                  <a14:hiddenLine xmlns:a14="http://schemas.microsoft.com/office/drawing/2010/main" xmlns="" w="9525">
                     <a:solidFill>
                       <a:srgbClr val="000000"/>
                     </a:solidFill>
@@ -11878,7 +11878,7 @@
               </a:ln>
               <a:extLst>
                 <a:ext uri="{91240B29-F687-4f45-9708-019B960494DF}">
-                  <a14:hiddenLine xmlns="" xmlns:a14="http://schemas.microsoft.com/office/drawing/2010/main" w="9525">
+                  <a14:hiddenLine xmlns:a14="http://schemas.microsoft.com/office/drawing/2010/main" xmlns="" w="9525">
                     <a:solidFill>
                       <a:srgbClr val="000000"/>
                     </a:solidFill>
@@ -12018,7 +12018,7 @@
           <a:p>
             <a:fld id="{522064ED-1894-4767-8CE5-014142FD3917}" type="datetimeFigureOut">
               <a:rPr lang="en-US" smtClean="0"/>
-              <a:t>2/14/2018</a:t>
+              <a:t>9/4/2018</a:t>
             </a:fld>
             <a:endParaRPr lang="en-US"/>
           </a:p>
@@ -12480,6 +12480,42 @@
           </a:p>
         </p:txBody>
       </p:sp>
+      <p:pic>
+        <p:nvPicPr>
+          <p:cNvPr id="4" name="Picture 3"/>
+          <p:cNvPicPr>
+            <a:picLocks noChangeAspect="1"/>
+          </p:cNvPicPr>
+          <p:nvPr/>
+        </p:nvPicPr>
+        <p:blipFill>
+          <a:blip r:embed="rId2" cstate="print">
+            <a:extLst>
+              <a:ext uri="{28A0092B-C50C-407E-A947-70E740481C1C}">
+                <a14:useLocalDpi xmlns:a14="http://schemas.microsoft.com/office/drawing/2010/main" val="0"/>
+              </a:ext>
+            </a:extLst>
+          </a:blip>
+          <a:stretch>
+            <a:fillRect/>
+          </a:stretch>
+        </p:blipFill>
+        <p:spPr>
+          <a:xfrm>
+            <a:off x="9246609" y="127001"/>
+            <a:ext cx="2842779" cy="2286000"/>
+          </a:xfrm>
+          <a:prstGeom prst="rect">
+            <a:avLst/>
+          </a:prstGeom>
+          <a:ln>
+            <a:noFill/>
+          </a:ln>
+          <a:effectLst>
+            <a:softEdge rad="112500"/>
+          </a:effectLst>
+        </p:spPr>
+      </p:pic>
     </p:spTree>
     <p:extLst>
       <p:ext uri="{BB962C8B-B14F-4D97-AF65-F5344CB8AC3E}">
